--- a/SnowFlake.pptx
+++ b/SnowFlake.pptx
@@ -19,6 +19,19 @@
     <p:sldId id="261" r:id="rId13"/>
     <p:sldId id="262" r:id="rId14"/>
     <p:sldId id="263" r:id="rId15"/>
+    <p:sldId id="270" r:id="rId16"/>
+    <p:sldId id="271" r:id="rId17"/>
+    <p:sldId id="272" r:id="rId18"/>
+    <p:sldId id="273" r:id="rId19"/>
+    <p:sldId id="274" r:id="rId20"/>
+    <p:sldId id="275" r:id="rId21"/>
+    <p:sldId id="276" r:id="rId22"/>
+    <p:sldId id="277" r:id="rId23"/>
+    <p:sldId id="278" r:id="rId24"/>
+    <p:sldId id="279" r:id="rId25"/>
+    <p:sldId id="280" r:id="rId26"/>
+    <p:sldId id="281" r:id="rId27"/>
+    <p:sldId id="282" r:id="rId28"/>
   </p:sldIdLst>
   <p:sldSz cx="9144000" cy="6858000" type="screen4x3"/>
   <p:notesSz cx="6858000" cy="9144000"/>
@@ -302,7 +315,7 @@
             <a:fld id="{7AC9EE2F-315B-4658-9DD1-DF12D329ECCA}" type="datetimeFigureOut">
               <a:rPr lang="en-US" smtClean="0"/>
               <a:pPr/>
-              <a:t>4/25/2025</a:t>
+              <a:t>4/28/2025</a:t>
             </a:fld>
             <a:endParaRPr lang="en-US"/>
           </a:p>
@@ -469,7 +482,7 @@
             <a:fld id="{7AC9EE2F-315B-4658-9DD1-DF12D329ECCA}" type="datetimeFigureOut">
               <a:rPr lang="en-US" smtClean="0"/>
               <a:pPr/>
-              <a:t>4/25/2025</a:t>
+              <a:t>4/28/2025</a:t>
             </a:fld>
             <a:endParaRPr lang="en-US"/>
           </a:p>
@@ -646,7 +659,7 @@
             <a:fld id="{7AC9EE2F-315B-4658-9DD1-DF12D329ECCA}" type="datetimeFigureOut">
               <a:rPr lang="en-US" smtClean="0"/>
               <a:pPr/>
-              <a:t>4/25/2025</a:t>
+              <a:t>4/28/2025</a:t>
             </a:fld>
             <a:endParaRPr lang="en-US"/>
           </a:p>
@@ -813,7 +826,7 @@
             <a:fld id="{7AC9EE2F-315B-4658-9DD1-DF12D329ECCA}" type="datetimeFigureOut">
               <a:rPr lang="en-US" smtClean="0"/>
               <a:pPr/>
-              <a:t>4/25/2025</a:t>
+              <a:t>4/28/2025</a:t>
             </a:fld>
             <a:endParaRPr lang="en-US"/>
           </a:p>
@@ -1056,7 +1069,7 @@
             <a:fld id="{7AC9EE2F-315B-4658-9DD1-DF12D329ECCA}" type="datetimeFigureOut">
               <a:rPr lang="en-US" smtClean="0"/>
               <a:pPr/>
-              <a:t>4/25/2025</a:t>
+              <a:t>4/28/2025</a:t>
             </a:fld>
             <a:endParaRPr lang="en-US"/>
           </a:p>
@@ -1341,7 +1354,7 @@
             <a:fld id="{7AC9EE2F-315B-4658-9DD1-DF12D329ECCA}" type="datetimeFigureOut">
               <a:rPr lang="en-US" smtClean="0"/>
               <a:pPr/>
-              <a:t>4/25/2025</a:t>
+              <a:t>4/28/2025</a:t>
             </a:fld>
             <a:endParaRPr lang="en-US"/>
           </a:p>
@@ -1760,7 +1773,7 @@
             <a:fld id="{7AC9EE2F-315B-4658-9DD1-DF12D329ECCA}" type="datetimeFigureOut">
               <a:rPr lang="en-US" smtClean="0"/>
               <a:pPr/>
-              <a:t>4/25/2025</a:t>
+              <a:t>4/28/2025</a:t>
             </a:fld>
             <a:endParaRPr lang="en-US"/>
           </a:p>
@@ -1875,7 +1888,7 @@
             <a:fld id="{7AC9EE2F-315B-4658-9DD1-DF12D329ECCA}" type="datetimeFigureOut">
               <a:rPr lang="en-US" smtClean="0"/>
               <a:pPr/>
-              <a:t>4/25/2025</a:t>
+              <a:t>4/28/2025</a:t>
             </a:fld>
             <a:endParaRPr lang="en-US"/>
           </a:p>
@@ -1967,7 +1980,7 @@
             <a:fld id="{7AC9EE2F-315B-4658-9DD1-DF12D329ECCA}" type="datetimeFigureOut">
               <a:rPr lang="en-US" smtClean="0"/>
               <a:pPr/>
-              <a:t>4/25/2025</a:t>
+              <a:t>4/28/2025</a:t>
             </a:fld>
             <a:endParaRPr lang="en-US"/>
           </a:p>
@@ -2241,7 +2254,7 @@
             <a:fld id="{7AC9EE2F-315B-4658-9DD1-DF12D329ECCA}" type="datetimeFigureOut">
               <a:rPr lang="en-US" smtClean="0"/>
               <a:pPr/>
-              <a:t>4/25/2025</a:t>
+              <a:t>4/28/2025</a:t>
             </a:fld>
             <a:endParaRPr lang="en-US"/>
           </a:p>
@@ -2491,7 +2504,7 @@
             <a:fld id="{7AC9EE2F-315B-4658-9DD1-DF12D329ECCA}" type="datetimeFigureOut">
               <a:rPr lang="en-US" smtClean="0"/>
               <a:pPr/>
-              <a:t>4/25/2025</a:t>
+              <a:t>4/28/2025</a:t>
             </a:fld>
             <a:endParaRPr lang="en-US"/>
           </a:p>
@@ -2701,7 +2714,7 @@
             <a:fld id="{7AC9EE2F-315B-4658-9DD1-DF12D329ECCA}" type="datetimeFigureOut">
               <a:rPr lang="en-US" smtClean="0"/>
               <a:pPr/>
-              <a:t>4/25/2025</a:t>
+              <a:t>4/28/2025</a:t>
             </a:fld>
             <a:endParaRPr lang="en-US"/>
           </a:p>
@@ -4092,6 +4105,528 @@
 </p:sld>
 </file>
 
+<file path=ppt/slides/slide15.xml><?xml version="1.0" encoding="utf-8"?>
+<p:sld xmlns:a="http://schemas.openxmlformats.org/drawingml/2006/main" xmlns:r="http://schemas.openxmlformats.org/officeDocument/2006/relationships" xmlns:p="http://schemas.openxmlformats.org/presentationml/2006/main">
+  <p:cSld>
+    <p:spTree>
+      <p:nvGrpSpPr>
+        <p:cNvPr id="1" name=""/>
+        <p:cNvGrpSpPr/>
+        <p:nvPr/>
+      </p:nvGrpSpPr>
+      <p:grpSpPr>
+        <a:xfrm>
+          <a:off x="0" y="0"/>
+          <a:ext cx="0" cy="0"/>
+          <a:chOff x="0" y="0"/>
+          <a:chExt cx="0" cy="0"/>
+        </a:xfrm>
+      </p:grpSpPr>
+      <p:sp>
+        <p:nvSpPr>
+          <p:cNvPr id="4" name="Rectangle 3"/>
+          <p:cNvSpPr/>
+          <p:nvPr/>
+        </p:nvSpPr>
+        <p:spPr>
+          <a:xfrm>
+            <a:off x="533400" y="685800"/>
+            <a:ext cx="8382000" cy="6047809"/>
+          </a:xfrm>
+          <a:prstGeom prst="rect">
+            <a:avLst/>
+          </a:prstGeom>
+        </p:spPr>
+        <p:txBody>
+          <a:bodyPr wrap="square">
+            <a:spAutoFit/>
+          </a:bodyPr>
+          <a:lstStyle/>
+          <a:p>
+            <a:pPr>
+              <a:lnSpc>
+                <a:spcPct val="150000"/>
+              </a:lnSpc>
+            </a:pPr>
+            <a:r>
+              <a:rPr lang="en-US" b="1" dirty="0" smtClean="0"/>
+              <a:t>Snowflake clustering</a:t>
+            </a:r>
+            <a:endParaRPr lang="en-US" b="1" dirty="0" smtClean="0"/>
+          </a:p>
+          <a:p>
+            <a:pPr>
+              <a:lnSpc>
+                <a:spcPct val="150000"/>
+              </a:lnSpc>
+            </a:pPr>
+            <a:r>
+              <a:rPr lang="en-US" dirty="0" smtClean="0"/>
+              <a:t>Snowflake </a:t>
+            </a:r>
+            <a:r>
+              <a:rPr lang="en-US" dirty="0" smtClean="0"/>
+              <a:t>clustering is a technique employed in Snowflake tables to group related rows together within the same </a:t>
+            </a:r>
+            <a:r>
+              <a:rPr lang="en-US" u="sng" dirty="0" smtClean="0">
+                <a:hlinkClick r:id="rId2"/>
+              </a:rPr>
+              <a:t>micro-partition</a:t>
+            </a:r>
+            <a:r>
+              <a:rPr lang="en-US" dirty="0" smtClean="0"/>
+              <a:t>, thereby enhancing query performance for accessing these rows. By organizing the data in a clustered manner, Snowflake can avoid scanning unnecessary micro-partitions during query execution</a:t>
+            </a:r>
+            <a:r>
+              <a:rPr lang="en-US" dirty="0" smtClean="0"/>
+              <a:t>.</a:t>
+            </a:r>
+          </a:p>
+          <a:p>
+            <a:pPr>
+              <a:lnSpc>
+                <a:spcPct val="150000"/>
+              </a:lnSpc>
+            </a:pPr>
+            <a:endParaRPr lang="en-US" dirty="0" smtClean="0"/>
+          </a:p>
+          <a:p>
+            <a:pPr>
+              <a:lnSpc>
+                <a:spcPct val="150000"/>
+              </a:lnSpc>
+            </a:pPr>
+            <a:r>
+              <a:rPr lang="en-US" b="1" dirty="0" smtClean="0"/>
+              <a:t>Considerations for Choosing Clustering for a Table</a:t>
+            </a:r>
+          </a:p>
+          <a:p>
+            <a:pPr>
+              <a:lnSpc>
+                <a:spcPct val="150000"/>
+              </a:lnSpc>
+            </a:pPr>
+            <a:r>
+              <a:rPr lang="en-US" dirty="0" smtClean="0"/>
+              <a:t>The table contains a large number of </a:t>
+            </a:r>
+            <a:r>
+              <a:rPr lang="en-US" dirty="0" smtClean="0">
+                <a:hlinkClick r:id="rId2"/>
+              </a:rPr>
+              <a:t>micro-partitions</a:t>
+            </a:r>
+            <a:r>
+              <a:rPr lang="en-US" dirty="0" smtClean="0"/>
+              <a:t>. Typically, this means that the table contains multiple terabytes (TB) of data.</a:t>
+            </a:r>
+          </a:p>
+          <a:p>
+            <a:pPr>
+              <a:lnSpc>
+                <a:spcPct val="150000"/>
+              </a:lnSpc>
+            </a:pPr>
+            <a:endParaRPr lang="en-US" dirty="0" smtClean="0"/>
+          </a:p>
+          <a:p>
+            <a:r>
+              <a:rPr lang="en-US" dirty="0" smtClean="0"/>
+              <a:t>The queries are selective. In other words, the queries need to read only a small percentage of rows (and thus usually a small percentage of micro-partitions) in the table.</a:t>
+            </a:r>
+          </a:p>
+          <a:p>
+            <a:r>
+              <a:rPr lang="en-US" dirty="0" smtClean="0"/>
+              <a:t>The queries sort the data. (For example, the query contains an ORDER BY clause on the table.)</a:t>
+            </a:r>
+          </a:p>
+          <a:p>
+            <a:pPr>
+              <a:lnSpc>
+                <a:spcPct val="150000"/>
+              </a:lnSpc>
+            </a:pPr>
+            <a:endParaRPr lang="en-US" dirty="0"/>
+          </a:p>
+        </p:txBody>
+      </p:sp>
+    </p:spTree>
+  </p:cSld>
+  <p:clrMapOvr>
+    <a:masterClrMapping/>
+  </p:clrMapOvr>
+</p:sld>
+</file>
+
+<file path=ppt/slides/slide16.xml><?xml version="1.0" encoding="utf-8"?>
+<p:sld xmlns:a="http://schemas.openxmlformats.org/drawingml/2006/main" xmlns:r="http://schemas.openxmlformats.org/officeDocument/2006/relationships" xmlns:p="http://schemas.openxmlformats.org/presentationml/2006/main">
+  <p:cSld>
+    <p:spTree>
+      <p:nvGrpSpPr>
+        <p:cNvPr id="1" name=""/>
+        <p:cNvGrpSpPr/>
+        <p:nvPr/>
+      </p:nvGrpSpPr>
+      <p:grpSpPr>
+        <a:xfrm>
+          <a:off x="0" y="0"/>
+          <a:ext cx="0" cy="0"/>
+          <a:chOff x="0" y="0"/>
+          <a:chExt cx="0" cy="0"/>
+        </a:xfrm>
+      </p:grpSpPr>
+      <p:sp>
+        <p:nvSpPr>
+          <p:cNvPr id="4" name="Rectangle 3"/>
+          <p:cNvSpPr/>
+          <p:nvPr/>
+        </p:nvSpPr>
+        <p:spPr>
+          <a:xfrm>
+            <a:off x="533400" y="685800"/>
+            <a:ext cx="8382000" cy="3693319"/>
+          </a:xfrm>
+          <a:prstGeom prst="rect">
+            <a:avLst/>
+          </a:prstGeom>
+        </p:spPr>
+        <p:txBody>
+          <a:bodyPr wrap="square">
+            <a:spAutoFit/>
+          </a:bodyPr>
+          <a:lstStyle/>
+          <a:p>
+            <a:r>
+              <a:rPr lang="en-US" b="1" dirty="0" smtClean="0"/>
+              <a:t>Strategies for Selecting Clustering Keys</a:t>
+            </a:r>
+          </a:p>
+          <a:p>
+            <a:pPr>
+              <a:lnSpc>
+                <a:spcPct val="150000"/>
+              </a:lnSpc>
+            </a:pPr>
+            <a:endParaRPr lang="en-US" dirty="0" smtClean="0"/>
+          </a:p>
+          <a:p>
+            <a:pPr>
+              <a:lnSpc>
+                <a:spcPct val="150000"/>
+              </a:lnSpc>
+            </a:pPr>
+            <a:r>
+              <a:rPr lang="en-US" dirty="0" smtClean="0"/>
+              <a:t>1 Cluster </a:t>
+            </a:r>
+            <a:r>
+              <a:rPr lang="en-US" dirty="0" smtClean="0"/>
+              <a:t>columns that are most actively used in selective </a:t>
+            </a:r>
+            <a:r>
+              <a:rPr lang="en-US" dirty="0" smtClean="0"/>
+              <a:t>filters</a:t>
+            </a:r>
+          </a:p>
+          <a:p>
+            <a:pPr>
+              <a:lnSpc>
+                <a:spcPct val="150000"/>
+              </a:lnSpc>
+            </a:pPr>
+            <a:r>
+              <a:rPr lang="en-US" dirty="0" smtClean="0"/>
+              <a:t>2 If </a:t>
+            </a:r>
+            <a:r>
+              <a:rPr lang="en-US" dirty="0" smtClean="0"/>
+              <a:t>there is room for additional cluster keys, then consider columns frequently used in join predicates, for example “FROM table1 JOIN table2 ON table2.column_A = table1.column_B”.</a:t>
+            </a:r>
+          </a:p>
+          <a:p>
+            <a:pPr>
+              <a:lnSpc>
+                <a:spcPct val="150000"/>
+              </a:lnSpc>
+            </a:pPr>
+            <a:endParaRPr lang="en-US" dirty="0" smtClean="0"/>
+          </a:p>
+          <a:p>
+            <a:pPr>
+              <a:lnSpc>
+                <a:spcPct val="150000"/>
+              </a:lnSpc>
+            </a:pPr>
+            <a:endParaRPr lang="en-US" dirty="0" smtClean="0"/>
+          </a:p>
+          <a:p>
+            <a:pPr>
+              <a:lnSpc>
+                <a:spcPct val="150000"/>
+              </a:lnSpc>
+            </a:pPr>
+            <a:endParaRPr lang="en-US" dirty="0"/>
+          </a:p>
+        </p:txBody>
+      </p:sp>
+    </p:spTree>
+  </p:cSld>
+  <p:clrMapOvr>
+    <a:masterClrMapping/>
+  </p:clrMapOvr>
+</p:sld>
+</file>
+
+<file path=ppt/slides/slide17.xml><?xml version="1.0" encoding="utf-8"?>
+<p:sld xmlns:a="http://schemas.openxmlformats.org/drawingml/2006/main" xmlns:r="http://schemas.openxmlformats.org/officeDocument/2006/relationships" xmlns:p="http://schemas.openxmlformats.org/presentationml/2006/main">
+  <p:cSld>
+    <p:spTree>
+      <p:nvGrpSpPr>
+        <p:cNvPr id="1" name=""/>
+        <p:cNvGrpSpPr/>
+        <p:nvPr/>
+      </p:nvGrpSpPr>
+      <p:grpSpPr>
+        <a:xfrm>
+          <a:off x="0" y="0"/>
+          <a:ext cx="0" cy="0"/>
+          <a:chOff x="0" y="0"/>
+          <a:chExt cx="0" cy="0"/>
+        </a:xfrm>
+      </p:grpSpPr>
+      <p:pic>
+        <p:nvPicPr>
+          <p:cNvPr id="1026" name="Picture 2" descr="Logical vs Physical Structure of a Snowflake table"/>
+          <p:cNvPicPr>
+            <a:picLocks noChangeAspect="1" noChangeArrowheads="1"/>
+          </p:cNvPicPr>
+          <p:nvPr/>
+        </p:nvPicPr>
+        <p:blipFill>
+          <a:blip r:embed="rId2"/>
+          <a:srcRect/>
+          <a:stretch>
+            <a:fillRect/>
+          </a:stretch>
+        </p:blipFill>
+        <p:spPr bwMode="auto">
+          <a:xfrm>
+            <a:off x="228600" y="457200"/>
+            <a:ext cx="8763000" cy="5200651"/>
+          </a:xfrm>
+          <a:prstGeom prst="rect">
+            <a:avLst/>
+          </a:prstGeom>
+          <a:noFill/>
+        </p:spPr>
+      </p:pic>
+    </p:spTree>
+  </p:cSld>
+  <p:clrMapOvr>
+    <a:masterClrMapping/>
+  </p:clrMapOvr>
+</p:sld>
+</file>
+
+<file path=ppt/slides/slide18.xml><?xml version="1.0" encoding="utf-8"?>
+<p:sld xmlns:a="http://schemas.openxmlformats.org/drawingml/2006/main" xmlns:r="http://schemas.openxmlformats.org/officeDocument/2006/relationships" xmlns:p="http://schemas.openxmlformats.org/presentationml/2006/main">
+  <p:cSld>
+    <p:spTree>
+      <p:nvGrpSpPr>
+        <p:cNvPr id="1" name=""/>
+        <p:cNvGrpSpPr/>
+        <p:nvPr/>
+      </p:nvGrpSpPr>
+      <p:grpSpPr>
+        <a:xfrm>
+          <a:off x="0" y="0"/>
+          <a:ext cx="0" cy="0"/>
+          <a:chOff x="0" y="0"/>
+          <a:chExt cx="0" cy="0"/>
+        </a:xfrm>
+      </p:grpSpPr>
+      <p:sp>
+        <p:nvSpPr>
+          <p:cNvPr id="3" name="Rectangle 2"/>
+          <p:cNvSpPr/>
+          <p:nvPr/>
+        </p:nvSpPr>
+        <p:spPr>
+          <a:xfrm>
+            <a:off x="304800" y="304801"/>
+            <a:ext cx="6553200" cy="369332"/>
+          </a:xfrm>
+          <a:prstGeom prst="rect">
+            <a:avLst/>
+          </a:prstGeom>
+        </p:spPr>
+        <p:txBody>
+          <a:bodyPr wrap="square">
+            <a:spAutoFit/>
+          </a:bodyPr>
+          <a:lstStyle/>
+          <a:p>
+            <a:r>
+              <a:rPr lang="en-US" dirty="0" smtClean="0"/>
+              <a:t>SELECT type, country FROM MY_TABLE WHERE Date = '11/2' ;</a:t>
+            </a:r>
+            <a:endParaRPr lang="en-US" dirty="0"/>
+          </a:p>
+        </p:txBody>
+      </p:sp>
+      <p:sp>
+        <p:nvSpPr>
+          <p:cNvPr id="4" name="Rectangle 3"/>
+          <p:cNvSpPr/>
+          <p:nvPr/>
+        </p:nvSpPr>
+        <p:spPr>
+          <a:xfrm>
+            <a:off x="304800" y="990600"/>
+            <a:ext cx="8610600" cy="646331"/>
+          </a:xfrm>
+          <a:prstGeom prst="rect">
+            <a:avLst/>
+          </a:prstGeom>
+        </p:spPr>
+        <p:txBody>
+          <a:bodyPr wrap="square">
+            <a:spAutoFit/>
+          </a:bodyPr>
+          <a:lstStyle/>
+          <a:p>
+            <a:r>
+              <a:rPr lang="en-US" dirty="0" smtClean="0"/>
+              <a:t>The data of the records that belong to date ‘11/2’ is present in micro-partitions 1, 2 and 3. Similarly for other dates, the data is spread across micro-partitions is as depicted below.</a:t>
+            </a:r>
+            <a:endParaRPr lang="en-US" dirty="0"/>
+          </a:p>
+        </p:txBody>
+      </p:sp>
+      <p:pic>
+        <p:nvPicPr>
+          <p:cNvPr id="30722" name="Picture 2"/>
+          <p:cNvPicPr>
+            <a:picLocks noChangeAspect="1" noChangeArrowheads="1"/>
+          </p:cNvPicPr>
+          <p:nvPr/>
+        </p:nvPicPr>
+        <p:blipFill>
+          <a:blip r:embed="rId2"/>
+          <a:srcRect/>
+          <a:stretch>
+            <a:fillRect/>
+          </a:stretch>
+        </p:blipFill>
+        <p:spPr bwMode="auto">
+          <a:xfrm>
+            <a:off x="228600" y="1752600"/>
+            <a:ext cx="8337550" cy="2273300"/>
+          </a:xfrm>
+          <a:prstGeom prst="rect">
+            <a:avLst/>
+          </a:prstGeom>
+          <a:noFill/>
+          <a:ln w="9525">
+            <a:noFill/>
+            <a:miter lim="800000"/>
+            <a:headEnd/>
+            <a:tailEnd/>
+          </a:ln>
+          <a:effectLst/>
+        </p:spPr>
+      </p:pic>
+    </p:spTree>
+  </p:cSld>
+  <p:clrMapOvr>
+    <a:masterClrMapping/>
+  </p:clrMapOvr>
+</p:sld>
+</file>
+
+<file path=ppt/slides/slide19.xml><?xml version="1.0" encoding="utf-8"?>
+<p:sld xmlns:a="http://schemas.openxmlformats.org/drawingml/2006/main" xmlns:r="http://schemas.openxmlformats.org/officeDocument/2006/relationships" xmlns:p="http://schemas.openxmlformats.org/presentationml/2006/main">
+  <p:cSld>
+    <p:spTree>
+      <p:nvGrpSpPr>
+        <p:cNvPr id="1" name=""/>
+        <p:cNvGrpSpPr/>
+        <p:nvPr/>
+      </p:nvGrpSpPr>
+      <p:grpSpPr>
+        <a:xfrm>
+          <a:off x="0" y="0"/>
+          <a:ext cx="0" cy="0"/>
+          <a:chOff x="0" y="0"/>
+          <a:chExt cx="0" cy="0"/>
+        </a:xfrm>
+      </p:grpSpPr>
+      <p:pic>
+        <p:nvPicPr>
+          <p:cNvPr id="31746" name="Picture 2" descr="Physical Structure of a Snowflake table after Clustering on date field"/>
+          <p:cNvPicPr>
+            <a:picLocks noChangeAspect="1" noChangeArrowheads="1"/>
+          </p:cNvPicPr>
+          <p:nvPr/>
+        </p:nvPicPr>
+        <p:blipFill>
+          <a:blip r:embed="rId2"/>
+          <a:srcRect/>
+          <a:stretch>
+            <a:fillRect/>
+          </a:stretch>
+        </p:blipFill>
+        <p:spPr bwMode="auto">
+          <a:xfrm>
+            <a:off x="457200" y="914400"/>
+            <a:ext cx="6276975" cy="3219451"/>
+          </a:xfrm>
+          <a:prstGeom prst="rect">
+            <a:avLst/>
+          </a:prstGeom>
+          <a:noFill/>
+        </p:spPr>
+      </p:pic>
+      <p:sp>
+        <p:nvSpPr>
+          <p:cNvPr id="6" name="Rectangle 5"/>
+          <p:cNvSpPr/>
+          <p:nvPr/>
+        </p:nvSpPr>
+        <p:spPr>
+          <a:xfrm>
+            <a:off x="609600" y="4495800"/>
+            <a:ext cx="8077200" cy="923330"/>
+          </a:xfrm>
+          <a:prstGeom prst="rect">
+            <a:avLst/>
+          </a:prstGeom>
+        </p:spPr>
+        <p:txBody>
+          <a:bodyPr wrap="square">
+            <a:spAutoFit/>
+          </a:bodyPr>
+          <a:lstStyle/>
+          <a:p>
+            <a:r>
+              <a:rPr lang="en-US" dirty="0" smtClean="0"/>
+              <a:t>The below table shows distribution of rows with distinct date values in various micro-partitions. This clearly shows clustering the table on date columns reduced the number of micro-partitions to be scanned than earlier scenario.</a:t>
+            </a:r>
+            <a:endParaRPr lang="en-US" dirty="0"/>
+          </a:p>
+        </p:txBody>
+      </p:sp>
+    </p:spTree>
+  </p:cSld>
+  <p:clrMapOvr>
+    <a:masterClrMapping/>
+  </p:clrMapOvr>
+</p:sld>
+</file>
+
 <file path=ppt/slides/slide2.xml><?xml version="1.0" encoding="utf-8"?>
 <p:sld xmlns:a="http://schemas.openxmlformats.org/drawingml/2006/main" xmlns:r="http://schemas.openxmlformats.org/officeDocument/2006/relationships" xmlns:p="http://schemas.openxmlformats.org/presentationml/2006/main">
   <p:cSld>
@@ -4374,6 +4909,945 @@
           </a:p>
         </p:txBody>
       </p:sp>
+    </p:spTree>
+  </p:cSld>
+  <p:clrMapOvr>
+    <a:masterClrMapping/>
+  </p:clrMapOvr>
+</p:sld>
+</file>
+
+<file path=ppt/slides/slide20.xml><?xml version="1.0" encoding="utf-8"?>
+<p:sld xmlns:a="http://schemas.openxmlformats.org/drawingml/2006/main" xmlns:r="http://schemas.openxmlformats.org/officeDocument/2006/relationships" xmlns:p="http://schemas.openxmlformats.org/presentationml/2006/main">
+  <p:cSld>
+    <p:spTree>
+      <p:nvGrpSpPr>
+        <p:cNvPr id="1" name=""/>
+        <p:cNvGrpSpPr/>
+        <p:nvPr/>
+      </p:nvGrpSpPr>
+      <p:grpSpPr>
+        <a:xfrm>
+          <a:off x="0" y="0"/>
+          <a:ext cx="0" cy="0"/>
+          <a:chOff x="0" y="0"/>
+          <a:chExt cx="0" cy="0"/>
+        </a:xfrm>
+      </p:grpSpPr>
+      <p:pic>
+        <p:nvPicPr>
+          <p:cNvPr id="32770" name="Picture 2"/>
+          <p:cNvPicPr>
+            <a:picLocks noChangeAspect="1" noChangeArrowheads="1"/>
+          </p:cNvPicPr>
+          <p:nvPr/>
+        </p:nvPicPr>
+        <p:blipFill>
+          <a:blip r:embed="rId2"/>
+          <a:srcRect/>
+          <a:stretch>
+            <a:fillRect/>
+          </a:stretch>
+        </p:blipFill>
+        <p:spPr bwMode="auto">
+          <a:xfrm>
+            <a:off x="0" y="457200"/>
+            <a:ext cx="8312150" cy="2406650"/>
+          </a:xfrm>
+          <a:prstGeom prst="rect">
+            <a:avLst/>
+          </a:prstGeom>
+          <a:noFill/>
+          <a:ln w="9525">
+            <a:noFill/>
+            <a:miter lim="800000"/>
+            <a:headEnd/>
+            <a:tailEnd/>
+          </a:ln>
+          <a:effectLst/>
+        </p:spPr>
+      </p:pic>
+      <p:sp>
+        <p:nvSpPr>
+          <p:cNvPr id="5" name="Rectangle 4"/>
+          <p:cNvSpPr/>
+          <p:nvPr/>
+        </p:nvSpPr>
+        <p:spPr>
+          <a:xfrm>
+            <a:off x="304800" y="2895600"/>
+            <a:ext cx="6553200" cy="1200329"/>
+          </a:xfrm>
+          <a:prstGeom prst="rect">
+            <a:avLst/>
+          </a:prstGeom>
+        </p:spPr>
+        <p:txBody>
+          <a:bodyPr wrap="square">
+            <a:spAutoFit/>
+          </a:bodyPr>
+          <a:lstStyle/>
+          <a:p>
+            <a:r>
+              <a:rPr lang="en-US" dirty="0" smtClean="0"/>
+              <a:t>CREATE TABLE MY_TABLE (     type NUMBER   , name VARCHAR(50)   , country VARCHAR(50)   , date </a:t>
+            </a:r>
+            <a:r>
+              <a:rPr lang="en-US" dirty="0" err="1" smtClean="0"/>
+              <a:t>DATE</a:t>
+            </a:r>
+            <a:r>
+              <a:rPr lang="en-US" dirty="0" smtClean="0"/>
+              <a:t> ) CLUSTER BY (date) </a:t>
+            </a:r>
+            <a:r>
+              <a:rPr lang="en-US" dirty="0" smtClean="0"/>
+              <a:t>;</a:t>
+            </a:r>
+          </a:p>
+          <a:p>
+            <a:endParaRPr lang="en-US" dirty="0" smtClean="0"/>
+          </a:p>
+          <a:p>
+            <a:r>
+              <a:rPr lang="en-US" dirty="0" smtClean="0"/>
+              <a:t>ALTER TABLE MY_TABLE CLUSTER BY (date, type) ;</a:t>
+            </a:r>
+            <a:endParaRPr lang="en-US" dirty="0"/>
+          </a:p>
+        </p:txBody>
+      </p:sp>
+      <p:sp>
+        <p:nvSpPr>
+          <p:cNvPr id="7" name="Rectangle 6"/>
+          <p:cNvSpPr/>
+          <p:nvPr/>
+        </p:nvSpPr>
+        <p:spPr>
+          <a:xfrm>
+            <a:off x="304800" y="4495800"/>
+            <a:ext cx="8001000" cy="1200329"/>
+          </a:xfrm>
+          <a:prstGeom prst="rect">
+            <a:avLst/>
+          </a:prstGeom>
+        </p:spPr>
+        <p:txBody>
+          <a:bodyPr wrap="square">
+            <a:spAutoFit/>
+          </a:bodyPr>
+          <a:lstStyle/>
+          <a:p>
+            <a:r>
+              <a:rPr lang="en-US" b="1" dirty="0" err="1" smtClean="0"/>
+              <a:t>Reclustering</a:t>
+            </a:r>
+            <a:endParaRPr lang="en-US" dirty="0" smtClean="0"/>
+          </a:p>
+          <a:p>
+            <a:r>
+              <a:rPr lang="en-US" dirty="0" smtClean="0"/>
+              <a:t>A clustered table’s data may become less clustered as DML operations (INSERT, UPDATE, DELETE, MERGE, COPY) are carried out on it. The table must be periodically or regularly </a:t>
+            </a:r>
+            <a:r>
+              <a:rPr lang="en-US" dirty="0" err="1" smtClean="0"/>
+              <a:t>reclustered</a:t>
+            </a:r>
+            <a:r>
+              <a:rPr lang="en-US" dirty="0" smtClean="0"/>
+              <a:t> in order to maintain optimal clustering.</a:t>
+            </a:r>
+            <a:endParaRPr lang="en-US" dirty="0"/>
+          </a:p>
+        </p:txBody>
+      </p:sp>
+    </p:spTree>
+  </p:cSld>
+  <p:clrMapOvr>
+    <a:masterClrMapping/>
+  </p:clrMapOvr>
+</p:sld>
+</file>
+
+<file path=ppt/slides/slide21.xml><?xml version="1.0" encoding="utf-8"?>
+<p:sld xmlns:a="http://schemas.openxmlformats.org/drawingml/2006/main" xmlns:r="http://schemas.openxmlformats.org/officeDocument/2006/relationships" xmlns:p="http://schemas.openxmlformats.org/presentationml/2006/main">
+  <p:cSld>
+    <p:spTree>
+      <p:nvGrpSpPr>
+        <p:cNvPr id="1" name=""/>
+        <p:cNvGrpSpPr/>
+        <p:nvPr/>
+      </p:nvGrpSpPr>
+      <p:grpSpPr>
+        <a:xfrm>
+          <a:off x="0" y="0"/>
+          <a:ext cx="0" cy="0"/>
+          <a:chOff x="0" y="0"/>
+          <a:chExt cx="0" cy="0"/>
+        </a:xfrm>
+      </p:grpSpPr>
+      <p:sp>
+        <p:nvSpPr>
+          <p:cNvPr id="6" name="Rectangle 5"/>
+          <p:cNvSpPr/>
+          <p:nvPr/>
+        </p:nvSpPr>
+        <p:spPr>
+          <a:xfrm>
+            <a:off x="457200" y="304801"/>
+            <a:ext cx="8153400" cy="2308324"/>
+          </a:xfrm>
+          <a:prstGeom prst="rect">
+            <a:avLst/>
+          </a:prstGeom>
+        </p:spPr>
+        <p:txBody>
+          <a:bodyPr wrap="square">
+            <a:spAutoFit/>
+          </a:bodyPr>
+          <a:lstStyle/>
+          <a:p>
+            <a:r>
+              <a:rPr lang="en-US" dirty="0" smtClean="0"/>
+              <a:t>During </a:t>
+            </a:r>
+            <a:r>
+              <a:rPr lang="en-US" dirty="0" err="1" smtClean="0"/>
+              <a:t>reclustering</a:t>
+            </a:r>
+            <a:r>
+              <a:rPr lang="en-US" dirty="0" smtClean="0"/>
+              <a:t>, Snowflake uses the clustering key for a clustered table to reorganize the column data, so that related records are relocated to the same micro-partition. Each time data is </a:t>
+            </a:r>
+            <a:r>
+              <a:rPr lang="en-US" dirty="0" err="1" smtClean="0"/>
+              <a:t>reclustered</a:t>
+            </a:r>
+            <a:r>
+              <a:rPr lang="en-US" dirty="0" smtClean="0"/>
+              <a:t>, the rows are physically grouped based on the clustering key for the table, which results in Snowflake generating new micro-partitions for the table</a:t>
+            </a:r>
+            <a:r>
+              <a:rPr lang="en-US" dirty="0" smtClean="0"/>
+              <a:t>.</a:t>
+            </a:r>
+          </a:p>
+          <a:p>
+            <a:endParaRPr lang="en-US" dirty="0" smtClean="0"/>
+          </a:p>
+          <a:p>
+            <a:r>
+              <a:rPr lang="en-US" dirty="0" smtClean="0"/>
+              <a:t>This </a:t>
+            </a:r>
+            <a:r>
+              <a:rPr lang="en-US" dirty="0" err="1" smtClean="0"/>
+              <a:t>reclustering</a:t>
+            </a:r>
+            <a:r>
+              <a:rPr lang="en-US" dirty="0" smtClean="0"/>
+              <a:t> results in storage costs because the original micro-partitions are marked as deleted, but retained in the system to enable </a:t>
+            </a:r>
+            <a:r>
+              <a:rPr lang="en-US" dirty="0" smtClean="0">
+                <a:hlinkClick r:id="rId2"/>
+              </a:rPr>
+              <a:t>Time Travel</a:t>
+            </a:r>
+            <a:r>
+              <a:rPr lang="en-US" dirty="0" smtClean="0"/>
+              <a:t> and </a:t>
+            </a:r>
+            <a:r>
+              <a:rPr lang="en-US" dirty="0" smtClean="0">
+                <a:hlinkClick r:id="rId3"/>
+              </a:rPr>
+              <a:t>Fail-safe</a:t>
+            </a:r>
+            <a:r>
+              <a:rPr lang="en-US" dirty="0" smtClean="0"/>
+              <a:t>.</a:t>
+            </a:r>
+            <a:endParaRPr lang="en-US" dirty="0"/>
+          </a:p>
+        </p:txBody>
+      </p:sp>
+    </p:spTree>
+  </p:cSld>
+  <p:clrMapOvr>
+    <a:masterClrMapping/>
+  </p:clrMapOvr>
+</p:sld>
+</file>
+
+<file path=ppt/slides/slide22.xml><?xml version="1.0" encoding="utf-8"?>
+<p:sld xmlns:a="http://schemas.openxmlformats.org/drawingml/2006/main" xmlns:r="http://schemas.openxmlformats.org/officeDocument/2006/relationships" xmlns:p="http://schemas.openxmlformats.org/presentationml/2006/main">
+  <p:cSld>
+    <p:spTree>
+      <p:nvGrpSpPr>
+        <p:cNvPr id="1" name=""/>
+        <p:cNvGrpSpPr/>
+        <p:nvPr/>
+      </p:nvGrpSpPr>
+      <p:grpSpPr>
+        <a:xfrm>
+          <a:off x="0" y="0"/>
+          <a:ext cx="0" cy="0"/>
+          <a:chOff x="0" y="0"/>
+          <a:chExt cx="0" cy="0"/>
+        </a:xfrm>
+      </p:grpSpPr>
+      <p:pic>
+        <p:nvPicPr>
+          <p:cNvPr id="34818" name="Picture 2" descr="Reclustering Illustration"/>
+          <p:cNvPicPr>
+            <a:picLocks noChangeAspect="1" noChangeArrowheads="1"/>
+          </p:cNvPicPr>
+          <p:nvPr/>
+        </p:nvPicPr>
+        <p:blipFill>
+          <a:blip r:embed="rId2"/>
+          <a:srcRect/>
+          <a:stretch>
+            <a:fillRect/>
+          </a:stretch>
+        </p:blipFill>
+        <p:spPr bwMode="auto">
+          <a:xfrm>
+            <a:off x="609600" y="533400"/>
+            <a:ext cx="7696200" cy="6172200"/>
+          </a:xfrm>
+          <a:prstGeom prst="rect">
+            <a:avLst/>
+          </a:prstGeom>
+          <a:noFill/>
+        </p:spPr>
+      </p:pic>
+    </p:spTree>
+  </p:cSld>
+  <p:clrMapOvr>
+    <a:masterClrMapping/>
+  </p:clrMapOvr>
+</p:sld>
+</file>
+
+<file path=ppt/slides/slide23.xml><?xml version="1.0" encoding="utf-8"?>
+<p:sld xmlns:a="http://schemas.openxmlformats.org/drawingml/2006/main" xmlns:r="http://schemas.openxmlformats.org/officeDocument/2006/relationships" xmlns:p="http://schemas.openxmlformats.org/presentationml/2006/main">
+  <p:cSld>
+    <p:spTree>
+      <p:nvGrpSpPr>
+        <p:cNvPr id="1" name=""/>
+        <p:cNvGrpSpPr/>
+        <p:nvPr/>
+      </p:nvGrpSpPr>
+      <p:grpSpPr>
+        <a:xfrm>
+          <a:off x="0" y="0"/>
+          <a:ext cx="0" cy="0"/>
+          <a:chOff x="0" y="0"/>
+          <a:chExt cx="0" cy="0"/>
+        </a:xfrm>
+      </p:grpSpPr>
+      <p:sp>
+        <p:nvSpPr>
+          <p:cNvPr id="3" name="Rectangle 2"/>
+          <p:cNvSpPr/>
+          <p:nvPr/>
+        </p:nvSpPr>
+        <p:spPr>
+          <a:xfrm>
+            <a:off x="228600" y="533400"/>
+            <a:ext cx="8534400" cy="5770811"/>
+          </a:xfrm>
+          <a:prstGeom prst="rect">
+            <a:avLst/>
+          </a:prstGeom>
+        </p:spPr>
+        <p:txBody>
+          <a:bodyPr wrap="square">
+            <a:spAutoFit/>
+          </a:bodyPr>
+          <a:lstStyle/>
+          <a:p>
+            <a:r>
+              <a:rPr lang="en-US" b="1" dirty="0" smtClean="0"/>
+              <a:t>Storage Optimization</a:t>
+            </a:r>
+          </a:p>
+          <a:p>
+            <a:endParaRPr lang="en-US" b="1" dirty="0" smtClean="0"/>
+          </a:p>
+          <a:p>
+            <a:r>
+              <a:rPr lang="en-US" dirty="0" smtClean="0"/>
+              <a:t>To </a:t>
+            </a:r>
+            <a:r>
+              <a:rPr lang="en-US" dirty="0" smtClean="0"/>
+              <a:t>optimize storage in Snowflake, focus on efficient data organization, compression, and reducing unnecessary storage consumption. </a:t>
+            </a:r>
+            <a:endParaRPr lang="en-US" dirty="0" smtClean="0"/>
+          </a:p>
+          <a:p>
+            <a:endParaRPr lang="en-US" dirty="0" smtClean="0"/>
+          </a:p>
+          <a:p>
+            <a:r>
+              <a:rPr lang="en-US" b="1" dirty="0" smtClean="0"/>
+              <a:t>1. Understanding and Analyzing Storage Costs:</a:t>
+            </a:r>
+          </a:p>
+          <a:p>
+            <a:pPr>
+              <a:lnSpc>
+                <a:spcPct val="150000"/>
+              </a:lnSpc>
+            </a:pPr>
+            <a:r>
+              <a:rPr lang="en-US" b="1" dirty="0" smtClean="0"/>
+              <a:t>Monitor storage usage:</a:t>
+            </a:r>
+            <a:endParaRPr lang="en-US" dirty="0" smtClean="0"/>
+          </a:p>
+          <a:p>
+            <a:pPr fontAlgn="ctr">
+              <a:lnSpc>
+                <a:spcPct val="150000"/>
+              </a:lnSpc>
+            </a:pPr>
+            <a:r>
+              <a:rPr lang="en-US" dirty="0" smtClean="0"/>
+              <a:t>Utilize Snowflake's ACCOUNT_USAGE schema to track storage consumption and identify areas for optimization. </a:t>
+            </a:r>
+          </a:p>
+          <a:p>
+            <a:pPr>
+              <a:lnSpc>
+                <a:spcPct val="150000"/>
+              </a:lnSpc>
+            </a:pPr>
+            <a:r>
+              <a:rPr lang="en-US" b="1" dirty="0" smtClean="0"/>
+              <a:t>Identify unused tables:</a:t>
+            </a:r>
+            <a:endParaRPr lang="en-US" dirty="0" smtClean="0"/>
+          </a:p>
+          <a:p>
+            <a:pPr fontAlgn="ctr">
+              <a:lnSpc>
+                <a:spcPct val="150000"/>
+              </a:lnSpc>
+            </a:pPr>
+            <a:r>
+              <a:rPr lang="en-US" dirty="0" smtClean="0"/>
+              <a:t>Regularly review and delete tables that are no longer needed, as they consume storage space and contribute to costs. </a:t>
+            </a:r>
+          </a:p>
+          <a:p>
+            <a:pPr>
+              <a:lnSpc>
+                <a:spcPct val="150000"/>
+              </a:lnSpc>
+            </a:pPr>
+            <a:r>
+              <a:rPr lang="en-US" b="1" dirty="0" smtClean="0"/>
+              <a:t>Analyze data retention policies:</a:t>
+            </a:r>
+            <a:endParaRPr lang="en-US" dirty="0" smtClean="0"/>
+          </a:p>
+          <a:p>
+            <a:pPr>
+              <a:lnSpc>
+                <a:spcPct val="150000"/>
+              </a:lnSpc>
+            </a:pPr>
+            <a:r>
+              <a:rPr lang="en-US" dirty="0" smtClean="0"/>
+              <a:t>Determine the optimal retention periods for your data based on business needs and delete older, unnecessary data. </a:t>
+            </a:r>
+          </a:p>
+          <a:p>
+            <a:endParaRPr lang="en-US" dirty="0"/>
+          </a:p>
+        </p:txBody>
+      </p:sp>
+    </p:spTree>
+  </p:cSld>
+  <p:clrMapOvr>
+    <a:masterClrMapping/>
+  </p:clrMapOvr>
+</p:sld>
+</file>
+
+<file path=ppt/slides/slide24.xml><?xml version="1.0" encoding="utf-8"?>
+<p:sld xmlns:a="http://schemas.openxmlformats.org/drawingml/2006/main" xmlns:r="http://schemas.openxmlformats.org/officeDocument/2006/relationships" xmlns:p="http://schemas.openxmlformats.org/presentationml/2006/main">
+  <p:cSld>
+    <p:spTree>
+      <p:nvGrpSpPr>
+        <p:cNvPr id="1" name=""/>
+        <p:cNvGrpSpPr/>
+        <p:nvPr/>
+      </p:nvGrpSpPr>
+      <p:grpSpPr>
+        <a:xfrm>
+          <a:off x="0" y="0"/>
+          <a:ext cx="0" cy="0"/>
+          <a:chOff x="0" y="0"/>
+          <a:chExt cx="0" cy="0"/>
+        </a:xfrm>
+      </p:grpSpPr>
+      <p:sp>
+        <p:nvSpPr>
+          <p:cNvPr id="3" name="Rectangle 2"/>
+          <p:cNvSpPr/>
+          <p:nvPr/>
+        </p:nvSpPr>
+        <p:spPr>
+          <a:xfrm>
+            <a:off x="228600" y="533400"/>
+            <a:ext cx="8534400" cy="6324808"/>
+          </a:xfrm>
+          <a:prstGeom prst="rect">
+            <a:avLst/>
+          </a:prstGeom>
+        </p:spPr>
+        <p:txBody>
+          <a:bodyPr wrap="square">
+            <a:spAutoFit/>
+          </a:bodyPr>
+          <a:lstStyle/>
+          <a:p>
+            <a:pPr>
+              <a:lnSpc>
+                <a:spcPct val="150000"/>
+              </a:lnSpc>
+            </a:pPr>
+            <a:r>
+              <a:rPr lang="en-US" b="1" dirty="0" smtClean="0"/>
+              <a:t>2. Optimizing Data Storage:</a:t>
+            </a:r>
+          </a:p>
+          <a:p>
+            <a:pPr>
+              <a:lnSpc>
+                <a:spcPct val="150000"/>
+              </a:lnSpc>
+            </a:pPr>
+            <a:r>
+              <a:rPr lang="en-US" b="1" dirty="0" smtClean="0"/>
+              <a:t>Choose appropriate table types:</a:t>
+            </a:r>
+            <a:endParaRPr lang="en-US" dirty="0" smtClean="0"/>
+          </a:p>
+          <a:p>
+            <a:pPr lvl="1" fontAlgn="ctr">
+              <a:lnSpc>
+                <a:spcPct val="150000"/>
+              </a:lnSpc>
+            </a:pPr>
+            <a:r>
+              <a:rPr lang="en-US" b="1" dirty="0" smtClean="0"/>
+              <a:t>Temporary tables:</a:t>
+            </a:r>
+            <a:r>
+              <a:rPr lang="en-US" dirty="0" smtClean="0"/>
+              <a:t> Use for short-lived data, which are automatically dropped after the session ends. </a:t>
+            </a:r>
+          </a:p>
+          <a:p>
+            <a:pPr lvl="1" fontAlgn="ctr">
+              <a:lnSpc>
+                <a:spcPct val="150000"/>
+              </a:lnSpc>
+            </a:pPr>
+            <a:r>
+              <a:rPr lang="en-US" b="1" dirty="0" smtClean="0"/>
+              <a:t>Transient tables:</a:t>
+            </a:r>
+            <a:r>
+              <a:rPr lang="en-US" dirty="0" smtClean="0"/>
+              <a:t> Use for long-lived data that can be deleted more easily and are not backed up. </a:t>
+            </a:r>
+          </a:p>
+          <a:p>
+            <a:pPr lvl="1">
+              <a:lnSpc>
+                <a:spcPct val="150000"/>
+              </a:lnSpc>
+            </a:pPr>
+            <a:r>
+              <a:rPr lang="en-US" b="1" dirty="0" smtClean="0"/>
+              <a:t>Standard tables:</a:t>
+            </a:r>
+            <a:r>
+              <a:rPr lang="en-US" dirty="0" smtClean="0"/>
+              <a:t> For persistent data that requires backup and recovery. </a:t>
+            </a:r>
+            <a:endParaRPr lang="en-US" dirty="0" smtClean="0"/>
+          </a:p>
+          <a:p>
+            <a:pPr lvl="1">
+              <a:lnSpc>
+                <a:spcPct val="150000"/>
+              </a:lnSpc>
+            </a:pPr>
+            <a:endParaRPr lang="en-US" dirty="0" smtClean="0"/>
+          </a:p>
+          <a:p>
+            <a:r>
+              <a:rPr lang="en-US" b="1" dirty="0" smtClean="0"/>
+              <a:t>Data compression:</a:t>
+            </a:r>
+            <a:endParaRPr lang="en-US" dirty="0" smtClean="0"/>
+          </a:p>
+          <a:p>
+            <a:pPr fontAlgn="ctr"/>
+            <a:r>
+              <a:rPr lang="en-US" dirty="0" smtClean="0"/>
+              <a:t>Snowflake automatically compresses data, reducing storage space. Ensure optimal compression options are selected based on data characteristics. </a:t>
+            </a:r>
+          </a:p>
+          <a:p>
+            <a:r>
+              <a:rPr lang="en-US" b="1" dirty="0" smtClean="0"/>
+              <a:t>Table clustering and partitioning:</a:t>
+            </a:r>
+            <a:endParaRPr lang="en-US" dirty="0" smtClean="0"/>
+          </a:p>
+          <a:p>
+            <a:pPr fontAlgn="ctr"/>
+            <a:r>
+              <a:rPr lang="en-US" b="1" dirty="0" smtClean="0"/>
+              <a:t>Clustering:</a:t>
+            </a:r>
+            <a:r>
+              <a:rPr lang="en-US" dirty="0" smtClean="0"/>
+              <a:t> Organizes data physically on disk based on frequently used query patterns, improving query performance and reducing the amount of data scanned. </a:t>
+            </a:r>
+          </a:p>
+          <a:p>
+            <a:r>
+              <a:rPr lang="en-US" b="1" dirty="0" smtClean="0"/>
+              <a:t>Partitioning:</a:t>
+            </a:r>
+            <a:r>
+              <a:rPr lang="en-US" dirty="0" smtClean="0"/>
+              <a:t> Divides tables into smaller, manageable chunks, allowing for faster data access and filtering, especially for large tables. </a:t>
+            </a:r>
+          </a:p>
+          <a:p>
+            <a:pPr>
+              <a:lnSpc>
+                <a:spcPct val="150000"/>
+              </a:lnSpc>
+            </a:pPr>
+            <a:endParaRPr lang="en-US" dirty="0" smtClean="0"/>
+          </a:p>
+          <a:p>
+            <a:endParaRPr lang="en-US" dirty="0"/>
+          </a:p>
+        </p:txBody>
+      </p:sp>
+    </p:spTree>
+  </p:cSld>
+  <p:clrMapOvr>
+    <a:masterClrMapping/>
+  </p:clrMapOvr>
+</p:sld>
+</file>
+
+<file path=ppt/slides/slide25.xml><?xml version="1.0" encoding="utf-8"?>
+<p:sld xmlns:a="http://schemas.openxmlformats.org/drawingml/2006/main" xmlns:r="http://schemas.openxmlformats.org/officeDocument/2006/relationships" xmlns:p="http://schemas.openxmlformats.org/presentationml/2006/main">
+  <p:cSld>
+    <p:spTree>
+      <p:nvGrpSpPr>
+        <p:cNvPr id="1" name=""/>
+        <p:cNvGrpSpPr/>
+        <p:nvPr/>
+      </p:nvGrpSpPr>
+      <p:grpSpPr>
+        <a:xfrm>
+          <a:off x="0" y="0"/>
+          <a:ext cx="0" cy="0"/>
+          <a:chOff x="0" y="0"/>
+          <a:chExt cx="0" cy="0"/>
+        </a:xfrm>
+      </p:grpSpPr>
+      <p:sp>
+        <p:nvSpPr>
+          <p:cNvPr id="3" name="Rectangle 2"/>
+          <p:cNvSpPr/>
+          <p:nvPr/>
+        </p:nvSpPr>
+        <p:spPr>
+          <a:xfrm>
+            <a:off x="228600" y="533400"/>
+            <a:ext cx="8534400" cy="4939814"/>
+          </a:xfrm>
+          <a:prstGeom prst="rect">
+            <a:avLst/>
+          </a:prstGeom>
+        </p:spPr>
+        <p:txBody>
+          <a:bodyPr wrap="square">
+            <a:spAutoFit/>
+          </a:bodyPr>
+          <a:lstStyle/>
+          <a:p>
+            <a:r>
+              <a:rPr lang="en-US" b="1" dirty="0" smtClean="0"/>
+              <a:t>3 Efficient </a:t>
+            </a:r>
+            <a:r>
+              <a:rPr lang="en-US" b="1" dirty="0" smtClean="0"/>
+              <a:t>Data Loading and Handling:</a:t>
+            </a:r>
+          </a:p>
+          <a:p>
+            <a:r>
+              <a:rPr lang="en-US" b="1" dirty="0" smtClean="0"/>
+              <a:t>Optimized data loading:</a:t>
+            </a:r>
+            <a:endParaRPr lang="en-US" dirty="0" smtClean="0"/>
+          </a:p>
+          <a:p>
+            <a:pPr fontAlgn="ctr"/>
+            <a:endParaRPr lang="en-US" b="1" dirty="0" smtClean="0"/>
+          </a:p>
+          <a:p>
+            <a:pPr fontAlgn="ctr"/>
+            <a:r>
+              <a:rPr lang="en-US" b="1" dirty="0" smtClean="0"/>
+              <a:t>Avoid </a:t>
+            </a:r>
+            <a:r>
+              <a:rPr lang="en-US" b="1" dirty="0" smtClean="0"/>
+              <a:t>frequent DML operations:</a:t>
+            </a:r>
+            <a:r>
+              <a:rPr lang="en-US" dirty="0" smtClean="0"/>
+              <a:t> Minimize the number of Data Manipulation Language (DML) operations (INSERT, UPDATE, DELETE) to reduce the impact on performance and storage. </a:t>
+            </a:r>
+          </a:p>
+          <a:p>
+            <a:pPr fontAlgn="ctr"/>
+            <a:r>
+              <a:rPr lang="en-US" b="1" dirty="0" smtClean="0"/>
+              <a:t>Large data files:</a:t>
+            </a:r>
+            <a:r>
+              <a:rPr lang="en-US" dirty="0" smtClean="0"/>
+              <a:t> Consider the optimal size of data files before loading into Snowflake to avoid performance issues. </a:t>
+            </a:r>
+          </a:p>
+          <a:p>
+            <a:r>
+              <a:rPr lang="en-US" b="1" dirty="0" smtClean="0"/>
+              <a:t>Data Updates:</a:t>
+            </a:r>
+            <a:endParaRPr lang="en-US" dirty="0" smtClean="0"/>
+          </a:p>
+          <a:p>
+            <a:pPr fontAlgn="ctr"/>
+            <a:r>
+              <a:rPr lang="en-US" dirty="0" smtClean="0"/>
+              <a:t>When updating data, use WHERE clauses to limit the number of rows being updated, and consider breaking large updates into smaller batches. </a:t>
+            </a:r>
+          </a:p>
+          <a:p>
+            <a:endParaRPr lang="en-US" b="1" dirty="0" smtClean="0"/>
+          </a:p>
+          <a:p>
+            <a:r>
+              <a:rPr lang="en-US" b="1" dirty="0" smtClean="0"/>
+              <a:t>Leverage </a:t>
+            </a:r>
+            <a:r>
+              <a:rPr lang="en-US" b="1" dirty="0" smtClean="0"/>
+              <a:t>Snowflake features:</a:t>
+            </a:r>
+            <a:endParaRPr lang="en-US" dirty="0" smtClean="0"/>
+          </a:p>
+          <a:p>
+            <a:r>
+              <a:rPr lang="en-US" dirty="0" smtClean="0"/>
+              <a:t>Utilize features like STREAMS and TASKS for complex data transformation and loading scenarios. </a:t>
+            </a:r>
+          </a:p>
+          <a:p>
+            <a:pPr>
+              <a:lnSpc>
+                <a:spcPct val="150000"/>
+              </a:lnSpc>
+            </a:pPr>
+            <a:endParaRPr lang="en-US" dirty="0" smtClean="0"/>
+          </a:p>
+          <a:p>
+            <a:endParaRPr lang="en-US" dirty="0"/>
+          </a:p>
+        </p:txBody>
+      </p:sp>
+    </p:spTree>
+  </p:cSld>
+  <p:clrMapOvr>
+    <a:masterClrMapping/>
+  </p:clrMapOvr>
+</p:sld>
+</file>
+
+<file path=ppt/slides/slide26.xml><?xml version="1.0" encoding="utf-8"?>
+<p:sld xmlns:a="http://schemas.openxmlformats.org/drawingml/2006/main" xmlns:r="http://schemas.openxmlformats.org/officeDocument/2006/relationships" xmlns:p="http://schemas.openxmlformats.org/presentationml/2006/main">
+  <p:cSld>
+    <p:spTree>
+      <p:nvGrpSpPr>
+        <p:cNvPr id="1" name=""/>
+        <p:cNvGrpSpPr/>
+        <p:nvPr/>
+      </p:nvGrpSpPr>
+      <p:grpSpPr>
+        <a:xfrm>
+          <a:off x="0" y="0"/>
+          <a:ext cx="0" cy="0"/>
+          <a:chOff x="0" y="0"/>
+          <a:chExt cx="0" cy="0"/>
+        </a:xfrm>
+      </p:grpSpPr>
+      <p:sp>
+        <p:nvSpPr>
+          <p:cNvPr id="3" name="Rectangle 2"/>
+          <p:cNvSpPr/>
+          <p:nvPr/>
+        </p:nvSpPr>
+        <p:spPr>
+          <a:xfrm>
+            <a:off x="228600" y="533400"/>
+            <a:ext cx="8534400" cy="1892826"/>
+          </a:xfrm>
+          <a:prstGeom prst="rect">
+            <a:avLst/>
+          </a:prstGeom>
+        </p:spPr>
+        <p:txBody>
+          <a:bodyPr wrap="square">
+            <a:spAutoFit/>
+          </a:bodyPr>
+          <a:lstStyle/>
+          <a:p>
+            <a:r>
+              <a:rPr lang="en-US" b="1" dirty="0" smtClean="0"/>
+              <a:t>Optimizing warehouses for performance</a:t>
+            </a:r>
+          </a:p>
+          <a:p>
+            <a:r>
+              <a:rPr lang="en-US" dirty="0" smtClean="0"/>
+              <a:t>In the Snowflake architecture, virtual warehouses provide the computing power that is required to execute queries. Fine-tuning the compute resources provided by a warehouse can improve the performance of a query or set of queries.</a:t>
+            </a:r>
+          </a:p>
+          <a:p>
+            <a:pPr>
+              <a:lnSpc>
+                <a:spcPct val="150000"/>
+              </a:lnSpc>
+            </a:pPr>
+            <a:endParaRPr lang="en-US" dirty="0" smtClean="0"/>
+          </a:p>
+          <a:p>
+            <a:endParaRPr lang="en-US" dirty="0"/>
+          </a:p>
+        </p:txBody>
+      </p:sp>
+      <p:pic>
+        <p:nvPicPr>
+          <p:cNvPr id="35842" name="Picture 2"/>
+          <p:cNvPicPr>
+            <a:picLocks noChangeAspect="1" noChangeArrowheads="1"/>
+          </p:cNvPicPr>
+          <p:nvPr/>
+        </p:nvPicPr>
+        <p:blipFill>
+          <a:blip r:embed="rId2"/>
+          <a:srcRect/>
+          <a:stretch>
+            <a:fillRect/>
+          </a:stretch>
+        </p:blipFill>
+        <p:spPr bwMode="auto">
+          <a:xfrm>
+            <a:off x="57150" y="1676400"/>
+            <a:ext cx="9086850" cy="4705350"/>
+          </a:xfrm>
+          <a:prstGeom prst="rect">
+            <a:avLst/>
+          </a:prstGeom>
+          <a:noFill/>
+          <a:ln w="9525">
+            <a:noFill/>
+            <a:miter lim="800000"/>
+            <a:headEnd/>
+            <a:tailEnd/>
+          </a:ln>
+          <a:effectLst/>
+        </p:spPr>
+      </p:pic>
+    </p:spTree>
+  </p:cSld>
+  <p:clrMapOvr>
+    <a:masterClrMapping/>
+  </p:clrMapOvr>
+</p:sld>
+</file>
+
+<file path=ppt/slides/slide27.xml><?xml version="1.0" encoding="utf-8"?>
+<p:sld xmlns:a="http://schemas.openxmlformats.org/drawingml/2006/main" xmlns:r="http://schemas.openxmlformats.org/officeDocument/2006/relationships" xmlns:p="http://schemas.openxmlformats.org/presentationml/2006/main">
+  <p:cSld>
+    <p:spTree>
+      <p:nvGrpSpPr>
+        <p:cNvPr id="1" name=""/>
+        <p:cNvGrpSpPr/>
+        <p:nvPr/>
+      </p:nvGrpSpPr>
+      <p:grpSpPr>
+        <a:xfrm>
+          <a:off x="0" y="0"/>
+          <a:ext cx="0" cy="0"/>
+          <a:chOff x="0" y="0"/>
+          <a:chExt cx="0" cy="0"/>
+        </a:xfrm>
+      </p:grpSpPr>
+      <p:pic>
+        <p:nvPicPr>
+          <p:cNvPr id="36866" name="Picture 2"/>
+          <p:cNvPicPr>
+            <a:picLocks noChangeAspect="1" noChangeArrowheads="1"/>
+          </p:cNvPicPr>
+          <p:nvPr/>
+        </p:nvPicPr>
+        <p:blipFill>
+          <a:blip r:embed="rId2"/>
+          <a:srcRect/>
+          <a:stretch>
+            <a:fillRect/>
+          </a:stretch>
+        </p:blipFill>
+        <p:spPr bwMode="auto">
+          <a:xfrm>
+            <a:off x="304800" y="228600"/>
+            <a:ext cx="8265268" cy="6400800"/>
+          </a:xfrm>
+          <a:prstGeom prst="rect">
+            <a:avLst/>
+          </a:prstGeom>
+          <a:noFill/>
+          <a:ln w="9525">
+            <a:noFill/>
+            <a:miter lim="800000"/>
+            <a:headEnd/>
+            <a:tailEnd/>
+          </a:ln>
+          <a:effectLst/>
+        </p:spPr>
+      </p:pic>
     </p:spTree>
   </p:cSld>
   <p:clrMapOvr>
@@ -5166,7 +6640,6 @@
               <a:rPr lang="en-US" sz="2000" b="1" dirty="0" smtClean="0"/>
               <a:t>Stream Types</a:t>
             </a:r>
-            <a:endParaRPr lang="en-US" sz="2000" b="1" dirty="0" smtClean="0"/>
           </a:p>
           <a:p>
             <a:pPr>
@@ -5188,15 +6661,7 @@
             </a:r>
             <a:r>
               <a:rPr lang="en-US" dirty="0" smtClean="0"/>
-              <a:t> rack </a:t>
-            </a:r>
-            <a:r>
-              <a:rPr lang="en-US" dirty="0" smtClean="0"/>
-              <a:t>DML changes (insert/update/delete</a:t>
-            </a:r>
-            <a:r>
-              <a:rPr lang="en-US" dirty="0" smtClean="0"/>
-              <a:t>).</a:t>
+              <a:t> rack DML changes (insert/update/delete).</a:t>
             </a:r>
           </a:p>
           <a:p>
@@ -5227,17 +6692,8 @@
             </a:r>
             <a:r>
               <a:rPr lang="en-US" dirty="0" smtClean="0"/>
-              <a:t> </a:t>
-            </a:r>
-            <a:r>
-              <a:rPr lang="en-US" dirty="0" smtClean="0"/>
-              <a:t>only inserts — more efficient</a:t>
-            </a:r>
-            <a:r>
-              <a:rPr lang="en-US" dirty="0" smtClean="0"/>
-              <a:t>.</a:t>
-            </a:r>
-            <a:endParaRPr lang="en-US" dirty="0" smtClean="0"/>
+              <a:t> only inserts — more efficient.</a:t>
+            </a:r>
           </a:p>
         </p:txBody>
       </p:sp>
